--- a/bw2widget-prez.pptx
+++ b/bw2widget-prez.pptx
@@ -111,6 +111,11 @@
       </a:defRPr>
     </a:lvl9pPr>
   </p:defaultTextStyle>
+  <p:extLst>
+    <p:ext uri="{EFAFB233-063F-42B5-8137-9DF3F51BA10A}">
+      <p15:sldGuideLst xmlns:p15="http://schemas.microsoft.com/office/powerpoint/2012/main"/>
+    </p:ext>
+  </p:extLst>
 </p:presentation>
 </file>
 
@@ -196,7 +201,7 @@
           <a:p>
             <a:fld id="{09CC8577-3EE7-4C96-A4C8-F9FB15610A11}" type="datetimeFigureOut">
               <a:rPr lang="fr-FR" smtClean="0"/>
-              <a:t>30/12/2022</a:t>
+              <a:t>05/01/2023</a:t>
             </a:fld>
             <a:endParaRPr lang="fr-FR"/>
           </a:p>

--- a/bw2widget-prez.pptx
+++ b/bw2widget-prez.pptx
@@ -201,7 +201,7 @@
           <a:p>
             <a:fld id="{09CC8577-3EE7-4C96-A4C8-F9FB15610A11}" type="datetimeFigureOut">
               <a:rPr lang="fr-FR" smtClean="0"/>
-              <a:t>05/01/2023</a:t>
+              <a:t>08/01/2023</a:t>
             </a:fld>
             <a:endParaRPr lang="fr-FR"/>
           </a:p>
@@ -512,66 +512,6 @@
         <p:txBody>
           <a:bodyPr/>
           <a:lstStyle/>
-          <a:p>
-            <a:r>
-              <a:rPr lang="en-US" dirty="0"/>
-              <a:t>Thank you for intro..</a:t>
-            </a:r>
-          </a:p>
-          <a:p>
-            <a:endParaRPr lang="en-US" dirty="0"/>
-          </a:p>
-          <a:p>
-            <a:r>
-              <a:rPr lang="en-US" dirty="0"/>
-              <a:t>Warm welcome to everyone in the room &amp; online</a:t>
-            </a:r>
-          </a:p>
-          <a:p>
-            <a:endParaRPr lang="en-US" dirty="0"/>
-          </a:p>
-          <a:p>
-            <a:r>
-              <a:rPr lang="en-US" dirty="0"/>
-              <a:t>To online participants, see slides &amp; hear me well, in case please write</a:t>
-            </a:r>
-            <a:r>
-              <a:rPr lang="en-US" baseline="0" dirty="0"/>
-              <a:t> chat, tech </a:t>
-            </a:r>
-            <a:r>
-              <a:rPr lang="en-US" dirty="0"/>
-              <a:t>assist in the room</a:t>
-            </a:r>
-          </a:p>
-          <a:p>
-            <a:endParaRPr lang="en-US" dirty="0"/>
-          </a:p>
-          <a:p>
-            <a:r>
-              <a:rPr lang="en-US" dirty="0"/>
-              <a:t>To you here</a:t>
-            </a:r>
-            <a:r>
-              <a:rPr lang="en-US" baseline="0" dirty="0"/>
-              <a:t> in the room, glad to see so many here – x online – came to hear about Biochar systems across scales in Sweden</a:t>
-            </a:r>
-          </a:p>
-          <a:p>
-            <a:endParaRPr lang="en-US" baseline="0" dirty="0"/>
-          </a:p>
-          <a:p>
-            <a:r>
-              <a:rPr lang="en-US" baseline="0" dirty="0"/>
-              <a:t>*title* </a:t>
-            </a:r>
-          </a:p>
-          <a:p>
-            <a:r>
-              <a:rPr lang="en-US" baseline="0" dirty="0"/>
-              <a:t> </a:t>
-            </a:r>
-          </a:p>
           <a:p>
             <a:endParaRPr lang="en-US" dirty="0"/>
           </a:p>
@@ -2853,15 +2793,7 @@
           <a:p>
             <a:r>
               <a:rPr lang="en-GB" i="1" dirty="0"/>
-              <a:t>To convert your LCA model into a </a:t>
-            </a:r>
-            <a:r>
-              <a:rPr lang="en-GB" i="1" dirty="0" err="1"/>
-              <a:t>javascript</a:t>
-            </a:r>
-            <a:r>
-              <a:rPr lang="en-GB" i="1" dirty="0"/>
-              <a:t> algebraic expression:</a:t>
+              <a:t>To convert your LCA model into a JavaScript algebraic expression:</a:t>
             </a:r>
           </a:p>
           <a:p>
@@ -3093,7 +3025,7 @@
         </p:nvSpPr>
         <p:spPr>
           <a:xfrm>
-            <a:off x="10048149" y="2346409"/>
+            <a:off x="10059158" y="2718520"/>
             <a:ext cx="2243560" cy="584775"/>
           </a:xfrm>
           <a:prstGeom prst="rect">
@@ -3217,15 +3149,16 @@
           <a:p>
             <a:r>
               <a:rPr lang="en-GB" sz="2000" dirty="0"/>
-              <a:t>Step 2. In the notebook </a:t>
-            </a:r>
-            <a:r>
-              <a:rPr lang="en-GB" sz="2000" dirty="0" err="1"/>
-              <a:t>CreateWidgets.ipynb</a:t>
-            </a:r>
+              <a:t>Step 2. Group the activities in your LCA model for the contribution analysis.</a:t>
+            </a:r>
+          </a:p>
+          <a:p>
+            <a:endParaRPr lang="en-GB" sz="2000" dirty="0"/>
+          </a:p>
+          <a:p>
             <a:r>
               <a:rPr lang="en-GB" sz="2000" dirty="0"/>
-              <a:t>, use the provided functions to “tag” activities in your LCA model for the contribution analysis.</a:t>
+              <a:t>Step 3. Use the provided functions to convert the LCA model into a set of algebraic equations &amp; an set-up an Excel file for parameter ranges.</a:t>
             </a:r>
           </a:p>
           <a:p>
@@ -3234,41 +3167,16 @@
           <a:p>
             <a:r>
               <a:rPr lang="en-GB" sz="2000" dirty="0"/>
-              <a:t>Step 3. In the notebook </a:t>
-            </a:r>
-            <a:r>
-              <a:rPr lang="en-GB" sz="2000" dirty="0" err="1"/>
-              <a:t>CreateWidgets.ipynb</a:t>
-            </a:r>
+              <a:t>Step 4. Use the provided functions to generates the JavaScript file that contains the generated model.</a:t>
+            </a:r>
+          </a:p>
+          <a:p>
+            <a:endParaRPr lang="en-GB" sz="2000" dirty="0"/>
+          </a:p>
+          <a:p>
             <a:r>
               <a:rPr lang="en-GB" sz="2000" dirty="0"/>
-              <a:t>, use the provided functions to convert the LCA model into a set of algebraic equations &amp; an set-up an Excel file for parameter ranges.</a:t>
-            </a:r>
-          </a:p>
-          <a:p>
-            <a:endParaRPr lang="en-GB" sz="2000" dirty="0"/>
-          </a:p>
-          <a:p>
-            <a:r>
-              <a:rPr lang="en-GB" sz="2000" dirty="0"/>
-              <a:t>Step 4. In the notebook </a:t>
-            </a:r>
-            <a:r>
-              <a:rPr lang="en-GB" sz="2000" dirty="0" err="1"/>
-              <a:t>CreateWidgets.ipynb</a:t>
-            </a:r>
-            <a:r>
-              <a:rPr lang="en-GB" sz="2000" dirty="0"/>
-              <a:t>, use the provided functions to generates the HTML and JS files. </a:t>
-            </a:r>
-          </a:p>
-          <a:p>
-            <a:endParaRPr lang="en-GB" sz="2000" dirty="0"/>
-          </a:p>
-          <a:p>
-            <a:r>
-              <a:rPr lang="en-GB" sz="2000" dirty="0"/>
-              <a:t>Step 5. Integrate to your website or share with colleagues the widgets.</a:t>
+              <a:t>Step 5. Integrate to your website or share with colleagues the widgets as HTML/JS files.</a:t>
             </a:r>
             <a:endParaRPr lang="fr-FR" sz="2000" dirty="0"/>
           </a:p>
@@ -3614,7 +3522,8 @@
                   <a:srgbClr val="4B69C6"/>
                 </a:solidFill>
                 <a:effectLst/>
-                <a:latin typeface="Consolas" panose="020B0609020204030204" pitchFamily="49" charset="0"/>
+                <a:latin typeface="Calibri" panose="020F0502020204030204" pitchFamily="34" charset="0"/>
+                <a:cs typeface="Calibri" panose="020F0502020204030204" pitchFamily="34" charset="0"/>
               </a:rPr>
               <a:t>option for multiple impact categories, in the plots, via a dropdown menu</a:t>
             </a:r>
@@ -3630,7 +3539,8 @@
                   <a:srgbClr val="4B69C6"/>
                 </a:solidFill>
                 <a:effectLst/>
-                <a:latin typeface="Consolas" panose="020B0609020204030204" pitchFamily="49" charset="0"/>
+                <a:latin typeface="Calibri" panose="020F0502020204030204" pitchFamily="34" charset="0"/>
+                <a:cs typeface="Calibri" panose="020F0502020204030204" pitchFamily="34" charset="0"/>
               </a:rPr>
               <a:t>add option to </a:t>
             </a:r>
@@ -3639,7 +3549,8 @@
                 <a:solidFill>
                   <a:srgbClr val="4B69C6"/>
                 </a:solidFill>
-                <a:latin typeface="Consolas" panose="020B0609020204030204" pitchFamily="49" charset="0"/>
+                <a:latin typeface="Calibri" panose="020F0502020204030204" pitchFamily="34" charset="0"/>
+                <a:cs typeface="Calibri" panose="020F0502020204030204" pitchFamily="34" charset="0"/>
               </a:rPr>
               <a:t>specify </a:t>
             </a:r>
@@ -3649,7 +3560,8 @@
                   <a:srgbClr val="4B69C6"/>
                 </a:solidFill>
                 <a:effectLst/>
-                <a:latin typeface="Consolas" panose="020B0609020204030204" pitchFamily="49" charset="0"/>
+                <a:latin typeface="Calibri" panose="020F0502020204030204" pitchFamily="34" charset="0"/>
+                <a:cs typeface="Calibri" panose="020F0502020204030204" pitchFamily="34" charset="0"/>
               </a:rPr>
               <a:t>parameter order (custom or by </a:t>
             </a:r>
@@ -3659,7 +3571,8 @@
                   <a:srgbClr val="4B69C6"/>
                 </a:solidFill>
                 <a:effectLst/>
-                <a:latin typeface="Consolas" panose="020B0609020204030204" pitchFamily="49" charset="0"/>
+                <a:latin typeface="Calibri" panose="020F0502020204030204" pitchFamily="34" charset="0"/>
+                <a:cs typeface="Calibri" panose="020F0502020204030204" pitchFamily="34" charset="0"/>
               </a:rPr>
               <a:t>Sobol</a:t>
             </a:r>
@@ -3669,7 +3582,8 @@
                   <a:srgbClr val="4B69C6"/>
                 </a:solidFill>
                 <a:effectLst/>
-                <a:latin typeface="Consolas" panose="020B0609020204030204" pitchFamily="49" charset="0"/>
+                <a:latin typeface="Calibri" panose="020F0502020204030204" pitchFamily="34" charset="0"/>
+                <a:cs typeface="Calibri" panose="020F0502020204030204" pitchFamily="34" charset="0"/>
               </a:rPr>
               <a:t> importance)</a:t>
             </a:r>
@@ -3685,7 +3599,8 @@
                   <a:srgbClr val="4B69C6"/>
                 </a:solidFill>
                 <a:effectLst/>
-                <a:latin typeface="Consolas" panose="020B0609020204030204" pitchFamily="49" charset="0"/>
+                <a:latin typeface="Calibri" panose="020F0502020204030204" pitchFamily="34" charset="0"/>
+                <a:cs typeface="Calibri" panose="020F0502020204030204" pitchFamily="34" charset="0"/>
               </a:rPr>
               <a:t>add option to use </a:t>
             </a:r>
@@ -3695,7 +3610,8 @@
                   <a:srgbClr val="4B69C6"/>
                 </a:solidFill>
                 <a:effectLst/>
-                <a:latin typeface="Consolas" panose="020B0609020204030204" pitchFamily="49" charset="0"/>
+                <a:latin typeface="Calibri" panose="020F0502020204030204" pitchFamily="34" charset="0"/>
+                <a:cs typeface="Calibri" panose="020F0502020204030204" pitchFamily="34" charset="0"/>
               </a:rPr>
               <a:t>Sobol</a:t>
             </a:r>
@@ -3705,7 +3621,8 @@
                   <a:srgbClr val="4B69C6"/>
                 </a:solidFill>
                 <a:effectLst/>
-                <a:latin typeface="Consolas" panose="020B0609020204030204" pitchFamily="49" charset="0"/>
+                <a:latin typeface="Calibri" panose="020F0502020204030204" pitchFamily="34" charset="0"/>
+                <a:cs typeface="Calibri" panose="020F0502020204030204" pitchFamily="34" charset="0"/>
               </a:rPr>
               <a:t>-simplified models as output (reduced number of parameters)</a:t>
             </a:r>
@@ -3714,7 +3631,8 @@
                 <a:srgbClr val="333333"/>
               </a:solidFill>
               <a:effectLst/>
-              <a:latin typeface="Consolas" panose="020B0609020204030204" pitchFamily="49" charset="0"/>
+              <a:latin typeface="Calibri" panose="020F0502020204030204" pitchFamily="34" charset="0"/>
+              <a:cs typeface="Calibri" panose="020F0502020204030204" pitchFamily="34" charset="0"/>
             </a:endParaRPr>
           </a:p>
           <a:p>
@@ -3727,7 +3645,8 @@
                 <a:srgbClr val="4B69C6"/>
               </a:solidFill>
               <a:effectLst/>
-              <a:latin typeface="Consolas" panose="020B0609020204030204" pitchFamily="49" charset="0"/>
+              <a:latin typeface="Calibri" panose="020F0502020204030204" pitchFamily="34" charset="0"/>
+              <a:cs typeface="Calibri" panose="020F0502020204030204" pitchFamily="34" charset="0"/>
             </a:endParaRPr>
           </a:p>
           <a:p>
@@ -3741,7 +3660,8 @@
                   <a:srgbClr val="4B69C6"/>
                 </a:solidFill>
                 <a:effectLst/>
-                <a:latin typeface="Consolas" panose="020B0609020204030204" pitchFamily="49" charset="0"/>
+                <a:latin typeface="Calibri" panose="020F0502020204030204" pitchFamily="34" charset="0"/>
+                <a:cs typeface="Calibri" panose="020F0502020204030204" pitchFamily="34" charset="0"/>
               </a:rPr>
               <a:t>shift from .</a:t>
             </a:r>
@@ -3751,7 +3671,8 @@
                   <a:srgbClr val="4B69C6"/>
                 </a:solidFill>
                 <a:effectLst/>
-                <a:latin typeface="Consolas" panose="020B0609020204030204" pitchFamily="49" charset="0"/>
+                <a:latin typeface="Calibri" panose="020F0502020204030204" pitchFamily="34" charset="0"/>
+                <a:cs typeface="Calibri" panose="020F0502020204030204" pitchFamily="34" charset="0"/>
               </a:rPr>
               <a:t>js</a:t>
             </a:r>
@@ -3761,7 +3682,8 @@
                   <a:srgbClr val="4B69C6"/>
                 </a:solidFill>
                 <a:effectLst/>
-                <a:latin typeface="Consolas" panose="020B0609020204030204" pitchFamily="49" charset="0"/>
+                <a:latin typeface="Calibri" panose="020F0502020204030204" pitchFamily="34" charset="0"/>
+                <a:cs typeface="Calibri" panose="020F0502020204030204" pitchFamily="34" charset="0"/>
               </a:rPr>
               <a:t> file to a .json file export</a:t>
             </a:r>
@@ -3777,7 +3699,8 @@
                   <a:srgbClr val="4B69C6"/>
                 </a:solidFill>
                 <a:effectLst/>
-                <a:latin typeface="Consolas" panose="020B0609020204030204" pitchFamily="49" charset="0"/>
+                <a:latin typeface="Calibri" panose="020F0502020204030204" pitchFamily="34" charset="0"/>
+                <a:cs typeface="Calibri" panose="020F0502020204030204" pitchFamily="34" charset="0"/>
               </a:rPr>
               <a:t>new plot types in d3.js</a:t>
             </a:r>
@@ -3786,7 +3709,8 @@
                 <a:srgbClr val="333333"/>
               </a:solidFill>
               <a:effectLst/>
-              <a:latin typeface="Consolas" panose="020B0609020204030204" pitchFamily="49" charset="0"/>
+              <a:latin typeface="Calibri" panose="020F0502020204030204" pitchFamily="34" charset="0"/>
+              <a:cs typeface="Calibri" panose="020F0502020204030204" pitchFamily="34" charset="0"/>
             </a:endParaRPr>
           </a:p>
           <a:p>
@@ -3798,7 +3722,8 @@
               <a:solidFill>
                 <a:srgbClr val="4B69C6"/>
               </a:solidFill>
-              <a:latin typeface="Consolas" panose="020B0609020204030204" pitchFamily="49" charset="0"/>
+              <a:latin typeface="Calibri" panose="020F0502020204030204" pitchFamily="34" charset="0"/>
+              <a:cs typeface="Calibri" panose="020F0502020204030204" pitchFamily="34" charset="0"/>
             </a:endParaRPr>
           </a:p>
           <a:p>
@@ -3807,21 +3732,23 @@
               <a:buChar char="-"/>
             </a:pPr>
             <a:r>
-              <a:rPr lang="en-GB" b="1" dirty="0">
+              <a:rPr lang="en-GB" dirty="0">
                 <a:solidFill>
                   <a:srgbClr val="4B69C6"/>
                 </a:solidFill>
                 <a:effectLst/>
-                <a:latin typeface="Consolas" panose="020B0609020204030204" pitchFamily="49" charset="0"/>
+                <a:latin typeface="Calibri" panose="020F0502020204030204" pitchFamily="34" charset="0"/>
+                <a:cs typeface="Calibri" panose="020F0502020204030204" pitchFamily="34" charset="0"/>
               </a:rPr>
               <a:t>Inclusion in activity-browser</a:t>
             </a:r>
-            <a:endParaRPr lang="en-GB" b="1" dirty="0">
+            <a:endParaRPr lang="en-GB" dirty="0">
               <a:solidFill>
                 <a:srgbClr val="333333"/>
               </a:solidFill>
               <a:effectLst/>
-              <a:latin typeface="Consolas" panose="020B0609020204030204" pitchFamily="49" charset="0"/>
+              <a:latin typeface="Calibri" panose="020F0502020204030204" pitchFamily="34" charset="0"/>
+              <a:cs typeface="Calibri" panose="020F0502020204030204" pitchFamily="34" charset="0"/>
             </a:endParaRPr>
           </a:p>
           <a:p>
